--- a/filters/net.sf.okapi.filters.openxml.tests/gold/Tagsample.pptx
+++ b/filters/net.sf.okapi.filters.openxml.tests/gold/Tagsample.pptx
@@ -3075,8 +3075,10 @@
           <a:lstStyle/>
           <a:p>
             <a:r>
-              <a:t xml:space="preserve">&lt;g0&gt;=andray()&lt;/g1&gt;&lt;x2&gt;</a:t>
-            </a:r>
+              <a:rPr lang="fr-FR" dirty="0" smtClean="0"/>
+              <a:t>&lt;g0&gt;=andray()&lt;/g1&gt;</a:t>
+            </a:r>
+            <a:endParaRPr lang="fr-FR" dirty="0"/>
           </a:p>
         </p:txBody>
       </p:sp>
@@ -3097,9 +3099,405 @@
           </a:bodyPr>
           <a:lstStyle/>
           <a:p>
-            <a:r>
-              <a:t xml:space="preserve">&lt;g0&gt;&lt;x1&gt;&lt;/g2&gt;&lt;g3&gt;ethay uickqay &lt;/g4&gt;&lt;g5&gt;ownbray&lt;/g6&gt;&lt;g7&gt; oxfay &lt;/g8&gt;&lt;g9&gt;umpsjay&lt;/g10&gt;&lt;g11&gt; overhay ethay &lt;/g12&gt;&lt;g13&gt;azylay&lt;/g14&gt;&lt;g15&gt; ogday. ethay uickqay &lt;/g16&gt;&lt;g17&gt;ownbray&lt;/g18&gt;&lt;g19&gt; oxfay &lt;/g20&gt;&lt;g21&gt;umpsjay&lt;/g22&gt;&lt;g23&gt; overhay ethay &lt;/g24&gt;&lt;g25&gt;azylay&lt;/g26&gt;&lt;g27&gt; ogday. ethay uickqay &lt;/g28&gt;&lt;g29&gt;ownbray&lt;/g30&gt;&lt;g31&gt; oxfay &lt;/g32&gt;&lt;g33&gt;umpsjay&lt;/g34&gt;&lt;g35&gt; overhay ethay &lt;/g36&gt;&lt;g37&gt;azylay&lt;/g38&gt;&lt;g39&gt; ogday. ethay uickqay &lt;/g40&gt;&lt;g41&gt;ownbray&lt;/g42&gt;&lt;g43&gt; oxfay &lt;/g44&gt;&lt;g45&gt;umpsjay&lt;/g46&gt;&lt;g47&gt; overhay ethay &lt;/g48&gt;&lt;g49&gt;azylay&lt;/g50&gt;&lt;g51&gt; ogday. ethay uickqay &lt;/g52&gt;&lt;g53&gt;ownbray&lt;/g54&gt;&lt;g55&gt; oxfay &lt;/g56&gt;&lt;g57&gt;umpsjay&lt;/g58&gt;&lt;g59&gt; overhay ethay &lt;/g60&gt;&lt;g61&gt;azylay&lt;/g62&gt;&lt;g63&gt; ogday. &lt;/g64&gt;&lt;g65&gt;&lt;x66&gt;&lt;/g67&gt;&lt;x68&gt;&lt;g69&gt;&lt;x70&gt;&lt;/g71&gt;&lt;g72&gt;ethay uickqay &lt;/g73&gt;&lt;g74&gt;ownbray&lt;/g75&gt;&lt;g76&gt; oxfay &lt;/g77&gt;&lt;g78&gt;umpsjay&lt;/g79&gt;&lt;g80&gt; overhay ethay &lt;/g81&gt;&lt;g82&gt;azylay&lt;/g83&gt;&lt;g84&gt; ogday. ethay uickqay &lt;/g85&gt;&lt;g86&gt;ownbray&lt;/g87&gt;&lt;g88&gt; oxfay &lt;/g89&gt;&lt;g90&gt;umpsjay&lt;/g91&gt;&lt;g92&gt; overhay ethay &lt;/g93&gt;&lt;g94&gt;azylay&lt;/g95&gt;&lt;g96&gt; ogday. ethay uickqay &lt;/g97&gt;&lt;g98&gt;ownbray&lt;/g99&gt;&lt;g100&gt; oxfay &lt;/g101&gt;&lt;g102&gt;umpsjay&lt;/g103&gt;&lt;g104&gt; overhay ethay &lt;/g105&gt;&lt;g106&gt;azylay&lt;/g107&gt;&lt;g108&gt; ogday. ethay uickqay &lt;/g109&gt;&lt;g110&gt;ownbray&lt;/g111&gt;&lt;g112&gt; oxfay &lt;/g113&gt;&lt;g114&gt;umpsjay&lt;/g115&gt;&lt;g116&gt; overhay ethay &lt;/g117&gt;&lt;g118&gt;azylay&lt;/g119&gt;&lt;g120&gt; ogday. ethay uickqay &lt;/g121&gt;&lt;g122&gt;ownbray&lt;/g123&gt;&lt;g124&gt; oxfay &lt;/g125&gt;&lt;g126&gt;umpsjay&lt;/g127&gt;&lt;g128&gt; overhay ethay &lt;/g129&gt;&lt;g130&gt;azylay&lt;/g131&gt;&lt;g132&gt; ogday. &lt;/g133&gt;&lt;g134&gt;&lt;x135&gt;&lt;/g136&gt;&lt;x137&gt;&lt;g138&gt;&lt;x139&gt;&lt;/g140&gt;&lt;g141&gt;ethay uickqay &lt;/g142&gt;&lt;g143&gt;ownbray&lt;/g144&gt;&lt;g145&gt; oxfay &lt;/g146&gt;&lt;g147&gt;umpsjay&lt;/g148&gt;&lt;g149&gt; overhay ethay &lt;/g150&gt;&lt;g151&gt;azylay&lt;/g152&gt;&lt;g153&gt; ogday. ethay uickqay &lt;/g154&gt;&lt;g155&gt;ownbray&lt;/g156&gt;&lt;g157&gt; oxfay &lt;/g158&gt;&lt;g159&gt;umpsjay&lt;/g160&gt;&lt;g161&gt; overhay ethay &lt;/g162&gt;&lt;g163&gt;azylay&lt;/g164&gt;&lt;g165&gt; ogday. ethay uickqay &lt;/g166&gt;&lt;g167&gt;ownbray&lt;/g168&gt;&lt;g169&gt; oxfay &lt;/g170&gt;&lt;g171&gt;umpsjay&lt;/g172&gt;&lt;g173&gt; overhay ethay &lt;/g174&gt;&lt;g175&gt;azylay&lt;/g176&gt;&lt;g177&gt; ogday. ethay uickqay &lt;/g178&gt;&lt;g179&gt;ownbray&lt;/g180&gt;&lt;g181&gt; oxfay &lt;/g182&gt;&lt;g183&gt;umpsjay&lt;/g184&gt;&lt;g185&gt; overhay ethay &lt;/g186&gt;&lt;g187&gt;azylay&lt;/g188&gt;&lt;g189&gt; ogday. ethay uickqay &lt;/g190&gt;&lt;g191&gt;ownbray&lt;/g192&gt;&lt;g193&gt; oxfay &lt;/g194&gt;&lt;g195&gt;umpsjay&lt;/g196&gt;&lt;g197&gt; overhay ethay &lt;/g198&gt;&lt;g199&gt;azylay&lt;/g200&gt;&lt;g201&gt; ogday. &lt;/g202&gt;&lt;g203&gt;&lt;x204&gt;&lt;/g205&gt;&lt;x206&gt;</a:t>
-            </a:r>
+            <a:pPr>
+              <a:buNone/>
+            </a:pPr>
+            <a:r>
+              <a:rPr lang="fr-FR" dirty="0" smtClean="0"/>
+              <a:t>&lt;g0&gt;ethay uickqay &lt;/g1&gt;</a:t>
+            </a:r>
+            <a:r>
+              <a:rPr lang="fr-FR" dirty="0" err="1" smtClean="0"/>
+              <a:t>&lt;g2&gt;ownbray&lt;/g3&gt;</a:t>
+            </a:r>
+            <a:r>
+              <a:rPr lang="fr-FR" dirty="0" smtClean="0"/>
+              <a:t>&lt;g4&gt; oxfay &lt;/g5&gt;</a:t>
+            </a:r>
+            <a:r>
+              <a:rPr lang="fr-FR" dirty="0" err="1" smtClean="0"/>
+              <a:t>&lt;g6&gt;umpsjay&lt;/g7&gt;</a:t>
+            </a:r>
+            <a:r>
+              <a:rPr lang="fr-FR" dirty="0" smtClean="0"/>
+              <a:t>&lt;g8&gt; overhay ethay &lt;/g9&gt;</a:t>
+            </a:r>
+            <a:r>
+              <a:rPr lang="fr-FR" dirty="0" err="1" smtClean="0"/>
+              <a:t>&lt;g10&gt;azylay&lt;/g11&gt;</a:t>
+            </a:r>
+            <a:r>
+              <a:rPr lang="fr-FR" dirty="0" smtClean="0"/>
+              <a:t>&lt;g12&gt; ogday. ethay uickqay &lt;/g13&gt;</a:t>
+            </a:r>
+            <a:r>
+              <a:rPr lang="fr-FR" dirty="0" err="1" smtClean="0"/>
+              <a:t>&lt;g14&gt;ownbray&lt;/g15&gt;</a:t>
+            </a:r>
+            <a:r>
+              <a:rPr lang="fr-FR" dirty="0" smtClean="0"/>
+              <a:t>&lt;g16&gt; oxfay &lt;/g17&gt;</a:t>
+            </a:r>
+            <a:r>
+              <a:rPr lang="fr-FR" dirty="0" err="1" smtClean="0"/>
+              <a:t>&lt;g18&gt;umpsjay&lt;/g19&gt;</a:t>
+            </a:r>
+            <a:r>
+              <a:rPr lang="fr-FR" dirty="0" smtClean="0"/>
+              <a:t>&lt;g20&gt; overhay ethay &lt;/g21&gt;</a:t>
+            </a:r>
+            <a:r>
+              <a:rPr lang="fr-FR" dirty="0" err="1" smtClean="0"/>
+              <a:t>&lt;g22&gt;azylay&lt;/g23&gt;</a:t>
+            </a:r>
+            <a:r>
+              <a:rPr lang="fr-FR" dirty="0" smtClean="0"/>
+              <a:t>&lt;g24&gt; ogday. ethay uickqay &lt;/g25&gt;</a:t>
+            </a:r>
+            <a:r>
+              <a:rPr lang="fr-FR" dirty="0" err="1" smtClean="0"/>
+              <a:t>&lt;g26&gt;ownbray&lt;/g27&gt;</a:t>
+            </a:r>
+            <a:r>
+              <a:rPr lang="fr-FR" dirty="0" smtClean="0"/>
+              <a:t>&lt;g28&gt; oxfay &lt;/g29&gt;</a:t>
+            </a:r>
+            <a:r>
+              <a:rPr lang="fr-FR" dirty="0" err="1" smtClean="0"/>
+              <a:t>&lt;g30&gt;umpsjay&lt;/g31&gt;</a:t>
+            </a:r>
+            <a:r>
+              <a:rPr lang="fr-FR" dirty="0" smtClean="0"/>
+              <a:t>&lt;g32&gt; overhay ethay &lt;/g33&gt;</a:t>
+            </a:r>
+            <a:r>
+              <a:rPr lang="fr-FR" dirty="0" err="1" smtClean="0"/>
+              <a:t>&lt;g34&gt;azylay&lt;/g35&gt;</a:t>
+            </a:r>
+            <a:r>
+              <a:rPr lang="fr-FR" dirty="0" smtClean="0"/>
+              <a:t>&lt;g36&gt; ogday. ethay uickqay &lt;/g37&gt;</a:t>
+            </a:r>
+            <a:r>
+              <a:rPr lang="fr-FR" dirty="0" err="1" smtClean="0"/>
+              <a:t>&lt;g38&gt;ownbray&lt;/g39&gt;</a:t>
+            </a:r>
+            <a:r>
+              <a:rPr lang="fr-FR" dirty="0" smtClean="0"/>
+              <a:t>&lt;g40&gt; oxfay &lt;/g41&gt;</a:t>
+            </a:r>
+            <a:r>
+              <a:rPr lang="fr-FR" dirty="0" err="1" smtClean="0"/>
+              <a:t>&lt;g42&gt;umpsjay&lt;/g43&gt;</a:t>
+            </a:r>
+            <a:r>
+              <a:rPr lang="fr-FR" dirty="0" smtClean="0"/>
+              <a:t>&lt;g44&gt; overhay ethay &lt;/g45&gt;</a:t>
+            </a:r>
+            <a:r>
+              <a:rPr lang="fr-FR" dirty="0" err="1" smtClean="0"/>
+              <a:t>&lt;g46&gt;azylay&lt;/g47&gt;</a:t>
+            </a:r>
+            <a:r>
+              <a:rPr lang="fr-FR" dirty="0" smtClean="0"/>
+              <a:t>&lt;g48&gt; ogday. ethay uickqay &lt;/g49&gt;</a:t>
+            </a:r>
+            <a:r>
+              <a:rPr lang="fr-FR" dirty="0" err="1" smtClean="0"/>
+              <a:t>&lt;g50&gt;ownbray&lt;/g51&gt;</a:t>
+            </a:r>
+            <a:r>
+              <a:rPr lang="fr-FR" dirty="0" smtClean="0"/>
+              <a:t>&lt;g52&gt; oxfay &lt;/g53&gt;</a:t>
+            </a:r>
+            <a:r>
+              <a:rPr lang="fr-FR" dirty="0" err="1" smtClean="0"/>
+              <a:t>&lt;g54&gt;umpsjay&lt;/g55&gt;</a:t>
+            </a:r>
+            <a:r>
+              <a:rPr lang="fr-FR" dirty="0" smtClean="0"/>
+              <a:t>&lt;g56&gt; overhay ethay &lt;/g57&gt;</a:t>
+            </a:r>
+            <a:r>
+              <a:rPr lang="fr-FR" dirty="0" err="1" smtClean="0"/>
+              <a:t>&lt;g58&gt;azylay&lt;/g59&gt;</a:t>
+            </a:r>
+            <a:r>
+              <a:rPr lang="fr-FR" dirty="0" smtClean="0"/>
+              <a:t>&lt;g60&gt; ogday. &lt;/g61&gt;</a:t>
+            </a:r>
+            <a:br>
+              <a:rPr lang="fr-FR" dirty="0" smtClean="0"/>
+            </a:br>
+            <a:r>
+              <a:rPr lang="fr-FR" dirty="0" smtClean="0"/>
+              <a:t/>
+            </a:r>
+            <a:br>
+              <a:rPr lang="fr-FR" dirty="0" smtClean="0"/>
+            </a:br>
+            <a:r>
+              <a:rPr lang="fr-FR" dirty="0" smtClean="0"/>
+              <a:t>&lt;g65&gt;ethay uickqay &lt;/g66&gt;</a:t>
+            </a:r>
+            <a:r>
+              <a:rPr lang="fr-FR" dirty="0" err="1" smtClean="0"/>
+              <a:t>&lt;g67&gt;ownbray&lt;/g68&gt;</a:t>
+            </a:r>
+            <a:r>
+              <a:rPr lang="fr-FR" dirty="0" smtClean="0"/>
+              <a:t>&lt;g69&gt; oxfay &lt;/g70&gt;</a:t>
+            </a:r>
+            <a:r>
+              <a:rPr lang="fr-FR" dirty="0" err="1" smtClean="0"/>
+              <a:t>&lt;g71&gt;umpsjay&lt;/g72&gt;</a:t>
+            </a:r>
+            <a:r>
+              <a:rPr lang="fr-FR" dirty="0" smtClean="0"/>
+              <a:t>&lt;g73&gt; overhay ethay &lt;/g74&gt;</a:t>
+            </a:r>
+            <a:r>
+              <a:rPr lang="fr-FR" dirty="0" err="1" smtClean="0"/>
+              <a:t>&lt;g75&gt;azylay&lt;/g76&gt;</a:t>
+            </a:r>
+            <a:r>
+              <a:rPr lang="fr-FR" dirty="0" smtClean="0"/>
+              <a:t>&lt;g77&gt; ogday. ethay uickqay &lt;/g78&gt;</a:t>
+            </a:r>
+            <a:r>
+              <a:rPr lang="fr-FR" dirty="0" err="1" smtClean="0"/>
+              <a:t>&lt;g79&gt;ownbray&lt;/g80&gt;</a:t>
+            </a:r>
+            <a:r>
+              <a:rPr lang="fr-FR" dirty="0" smtClean="0"/>
+              <a:t>&lt;g81&gt; oxfay &lt;/g82&gt;</a:t>
+            </a:r>
+            <a:r>
+              <a:rPr lang="fr-FR" dirty="0" err="1" smtClean="0"/>
+              <a:t>&lt;g83&gt;umpsjay&lt;/g84&gt;</a:t>
+            </a:r>
+            <a:r>
+              <a:rPr lang="fr-FR" dirty="0" smtClean="0"/>
+              <a:t>&lt;g85&gt; overhay ethay &lt;/g86&gt;</a:t>
+            </a:r>
+            <a:r>
+              <a:rPr lang="fr-FR" dirty="0" err="1" smtClean="0"/>
+              <a:t>&lt;g87&gt;azylay&lt;/g88&gt;</a:t>
+            </a:r>
+            <a:r>
+              <a:rPr lang="fr-FR" dirty="0" smtClean="0"/>
+              <a:t>&lt;g89&gt; ogday. ethay uickqay &lt;/g90&gt;</a:t>
+            </a:r>
+            <a:r>
+              <a:rPr lang="fr-FR" dirty="0" err="1" smtClean="0"/>
+              <a:t>&lt;g91&gt;ownbray&lt;/g92&gt;</a:t>
+            </a:r>
+            <a:r>
+              <a:rPr lang="fr-FR" dirty="0" smtClean="0"/>
+              <a:t>&lt;g93&gt; oxfay &lt;/g94&gt;</a:t>
+            </a:r>
+            <a:r>
+              <a:rPr lang="fr-FR" dirty="0" err="1" smtClean="0"/>
+              <a:t>&lt;g95&gt;umpsjay&lt;/g96&gt;</a:t>
+            </a:r>
+            <a:r>
+              <a:rPr lang="fr-FR" dirty="0" smtClean="0"/>
+              <a:t>&lt;g97&gt; overhay ethay &lt;/g98&gt;</a:t>
+            </a:r>
+            <a:r>
+              <a:rPr lang="fr-FR" dirty="0" err="1" smtClean="0"/>
+              <a:t>&lt;g99&gt;azylay&lt;/g100&gt;</a:t>
+            </a:r>
+            <a:r>
+              <a:rPr lang="fr-FR" dirty="0" smtClean="0"/>
+              <a:t>&lt;g101&gt; ogday. ethay uickqay &lt;/g102&gt;</a:t>
+            </a:r>
+            <a:r>
+              <a:rPr lang="fr-FR" dirty="0" err="1" smtClean="0"/>
+              <a:t>&lt;g103&gt;ownbray&lt;/g104&gt;</a:t>
+            </a:r>
+            <a:r>
+              <a:rPr lang="fr-FR" dirty="0" smtClean="0"/>
+              <a:t>&lt;g105&gt; oxfay &lt;/g106&gt;</a:t>
+            </a:r>
+            <a:r>
+              <a:rPr lang="fr-FR" dirty="0" err="1" smtClean="0"/>
+              <a:t>&lt;g107&gt;umpsjay&lt;/g108&gt;</a:t>
+            </a:r>
+            <a:r>
+              <a:rPr lang="fr-FR" dirty="0" smtClean="0"/>
+              <a:t>&lt;g109&gt; overhay ethay &lt;/g110&gt;</a:t>
+            </a:r>
+            <a:r>
+              <a:rPr lang="fr-FR" dirty="0" err="1" smtClean="0"/>
+              <a:t>&lt;g111&gt;azylay&lt;/g112&gt;</a:t>
+            </a:r>
+            <a:r>
+              <a:rPr lang="fr-FR" dirty="0" smtClean="0"/>
+              <a:t>&lt;g113&gt; ogday. ethay uickqay &lt;/g114&gt;</a:t>
+            </a:r>
+            <a:r>
+              <a:rPr lang="fr-FR" dirty="0" err="1" smtClean="0"/>
+              <a:t>&lt;g115&gt;ownbray&lt;/g116&gt;</a:t>
+            </a:r>
+            <a:r>
+              <a:rPr lang="fr-FR" dirty="0" smtClean="0"/>
+              <a:t>&lt;g117&gt; oxfay &lt;/g118&gt;</a:t>
+            </a:r>
+            <a:r>
+              <a:rPr lang="fr-FR" dirty="0" err="1" smtClean="0"/>
+              <a:t>&lt;g119&gt;umpsjay&lt;/g120&gt;</a:t>
+            </a:r>
+            <a:r>
+              <a:rPr lang="fr-FR" dirty="0" smtClean="0"/>
+              <a:t>&lt;g121&gt; overhay ethay &lt;/g122&gt;</a:t>
+            </a:r>
+            <a:r>
+              <a:rPr lang="fr-FR" dirty="0" err="1" smtClean="0"/>
+              <a:t>&lt;g123&gt;azylay&lt;/g124&gt;</a:t>
+            </a:r>
+            <a:r>
+              <a:rPr lang="fr-FR" dirty="0" smtClean="0"/>
+              <a:t>&lt;g125&gt; ogday. &lt;/g126&gt;</a:t>
+            </a:r>
+            <a:br>
+              <a:rPr lang="fr-FR" dirty="0" smtClean="0"/>
+            </a:br>
+            <a:r>
+              <a:rPr lang="fr-FR" dirty="0" smtClean="0"/>
+              <a:t/>
+            </a:r>
+            <a:br>
+              <a:rPr lang="fr-FR" dirty="0" smtClean="0"/>
+            </a:br>
+            <a:r>
+              <a:rPr lang="fr-FR" dirty="0" smtClean="0"/>
+              <a:t>&lt;g130&gt;ethay uickqay &lt;/g131&gt;</a:t>
+            </a:r>
+            <a:r>
+              <a:rPr lang="fr-FR" dirty="0" err="1" smtClean="0"/>
+              <a:t>&lt;g132&gt;ownbray&lt;/g133&gt;</a:t>
+            </a:r>
+            <a:r>
+              <a:rPr lang="fr-FR" dirty="0" smtClean="0"/>
+              <a:t>&lt;g134&gt; oxfay &lt;/g135&gt;</a:t>
+            </a:r>
+            <a:r>
+              <a:rPr lang="fr-FR" dirty="0" err="1" smtClean="0"/>
+              <a:t>&lt;g136&gt;umpsjay&lt;/g137&gt;</a:t>
+            </a:r>
+            <a:r>
+              <a:rPr lang="fr-FR" dirty="0" smtClean="0"/>
+              <a:t>&lt;g138&gt; overhay ethay &lt;/g139&gt;</a:t>
+            </a:r>
+            <a:r>
+              <a:rPr lang="fr-FR" dirty="0" err="1" smtClean="0"/>
+              <a:t>&lt;g140&gt;azylay&lt;/g141&gt;</a:t>
+            </a:r>
+            <a:r>
+              <a:rPr lang="fr-FR" dirty="0" smtClean="0"/>
+              <a:t>&lt;g142&gt; ogday. ethay uickqay &lt;/g143&gt;</a:t>
+            </a:r>
+            <a:r>
+              <a:rPr lang="fr-FR" dirty="0" err="1" smtClean="0"/>
+              <a:t>&lt;g144&gt;ownbray&lt;/g145&gt;</a:t>
+            </a:r>
+            <a:r>
+              <a:rPr lang="fr-FR" dirty="0" smtClean="0"/>
+              <a:t>&lt;g146&gt; oxfay &lt;/g147&gt;</a:t>
+            </a:r>
+            <a:r>
+              <a:rPr lang="fr-FR" dirty="0" err="1" smtClean="0"/>
+              <a:t>&lt;g148&gt;umpsjay&lt;/g149&gt;</a:t>
+            </a:r>
+            <a:r>
+              <a:rPr lang="fr-FR" dirty="0" smtClean="0"/>
+              <a:t>&lt;g150&gt; overhay ethay &lt;/g151&gt;</a:t>
+            </a:r>
+            <a:r>
+              <a:rPr lang="fr-FR" dirty="0" err="1" smtClean="0"/>
+              <a:t>&lt;g152&gt;azylay&lt;/g153&gt;</a:t>
+            </a:r>
+            <a:r>
+              <a:rPr lang="fr-FR" dirty="0" smtClean="0"/>
+              <a:t>&lt;g154&gt; ogday. ethay uickqay &lt;/g155&gt;</a:t>
+            </a:r>
+            <a:r>
+              <a:rPr lang="fr-FR" dirty="0" err="1" smtClean="0"/>
+              <a:t>&lt;g156&gt;ownbray&lt;/g157&gt;</a:t>
+            </a:r>
+            <a:r>
+              <a:rPr lang="fr-FR" dirty="0" smtClean="0"/>
+              <a:t>&lt;g158&gt; oxfay &lt;/g159&gt;</a:t>
+            </a:r>
+            <a:r>
+              <a:rPr lang="fr-FR" dirty="0" err="1" smtClean="0"/>
+              <a:t>&lt;g160&gt;umpsjay&lt;/g161&gt;</a:t>
+            </a:r>
+            <a:r>
+              <a:rPr lang="fr-FR" dirty="0" smtClean="0"/>
+              <a:t>&lt;g162&gt; overhay ethay &lt;/g163&gt;</a:t>
+            </a:r>
+            <a:r>
+              <a:rPr lang="fr-FR" dirty="0" err="1" smtClean="0"/>
+              <a:t>&lt;g164&gt;azylay&lt;/g165&gt;</a:t>
+            </a:r>
+            <a:r>
+              <a:rPr lang="fr-FR" dirty="0" smtClean="0"/>
+              <a:t>&lt;g166&gt; ogday. ethay uickqay &lt;/g167&gt;</a:t>
+            </a:r>
+            <a:r>
+              <a:rPr lang="fr-FR" dirty="0" err="1" smtClean="0"/>
+              <a:t>&lt;g168&gt;ownbray&lt;/g169&gt;</a:t>
+            </a:r>
+            <a:r>
+              <a:rPr lang="fr-FR" dirty="0" smtClean="0"/>
+              <a:t>&lt;g170&gt; oxfay &lt;/g171&gt;</a:t>
+            </a:r>
+            <a:r>
+              <a:rPr lang="fr-FR" dirty="0" err="1" smtClean="0"/>
+              <a:t>&lt;g172&gt;umpsjay&lt;/g173&gt;</a:t>
+            </a:r>
+            <a:r>
+              <a:rPr lang="fr-FR" dirty="0" smtClean="0"/>
+              <a:t>&lt;g174&gt; overhay ethay &lt;/g175&gt;</a:t>
+            </a:r>
+            <a:r>
+              <a:rPr lang="fr-FR" dirty="0" err="1" smtClean="0"/>
+              <a:t>&lt;g176&gt;azylay&lt;/g177&gt;</a:t>
+            </a:r>
+            <a:r>
+              <a:rPr lang="fr-FR" dirty="0" smtClean="0"/>
+              <a:t>&lt;g178&gt; ogday. ethay uickqay &lt;/g179&gt;</a:t>
+            </a:r>
+            <a:r>
+              <a:rPr lang="fr-FR" dirty="0" err="1" smtClean="0"/>
+              <a:t>&lt;g180&gt;ownbray&lt;/g181&gt;</a:t>
+            </a:r>
+            <a:r>
+              <a:rPr lang="fr-FR" dirty="0" smtClean="0"/>
+              <a:t>&lt;g182&gt; oxfay &lt;/g183&gt;</a:t>
+            </a:r>
+            <a:r>
+              <a:rPr lang="fr-FR" dirty="0" err="1" smtClean="0"/>
+              <a:t>&lt;g184&gt;umpsjay&lt;/g185&gt;</a:t>
+            </a:r>
+            <a:r>
+              <a:rPr lang="fr-FR" dirty="0" smtClean="0"/>
+              <a:t>&lt;g186&gt; overhay ethay &lt;/g187&gt;</a:t>
+            </a:r>
+            <a:r>
+              <a:rPr lang="fr-FR" dirty="0" err="1" smtClean="0"/>
+              <a:t>&lt;g188&gt;azylay&lt;/g189&gt;</a:t>
+            </a:r>
+            <a:r>
+              <a:rPr lang="fr-FR" dirty="0" smtClean="0"/>
+              <a:t>&lt;g190&gt; ogday. &lt;/g191&gt;</a:t>
+            </a:r>
+            <a:br>
+              <a:rPr lang="fr-FR" dirty="0" smtClean="0"/>
+            </a:br>
+            <a:endParaRPr lang="fr-FR" dirty="0"/>
           </a:p>
         </p:txBody>
       </p:sp>

--- a/filters/net.sf.okapi.filters.openxml.tests/gold/Tagsample.pptx
+++ b/filters/net.sf.okapi.filters.openxml.tests/gold/Tagsample.pptx
@@ -3076,7 +3076,7 @@
           <a:p>
             <a:r>
               <a:rPr lang="fr-FR" dirty="0" smtClean="0"/>
-              <a:t>&lt;g0&gt;=andray()&lt;/g1&gt;</a:t>
+              <a:t>{g0}=andray(){/g1}</a:t>
             </a:r>
             <a:endParaRPr lang="fr-FR" dirty="0"/>
           </a:p>
@@ -3104,127 +3104,127 @@
             </a:pPr>
             <a:r>
               <a:rPr lang="fr-FR" dirty="0" smtClean="0"/>
-              <a:t>&lt;g0&gt;ethay uickqay &lt;/g1&gt;</a:t>
-            </a:r>
-            <a:r>
-              <a:rPr lang="fr-FR" dirty="0" err="1" smtClean="0"/>
-              <a:t>&lt;g2&gt;ownbray&lt;/g3&gt;</a:t>
-            </a:r>
-            <a:r>
-              <a:rPr lang="fr-FR" dirty="0" smtClean="0"/>
-              <a:t>&lt;g4&gt; oxfay &lt;/g5&gt;</a:t>
-            </a:r>
-            <a:r>
-              <a:rPr lang="fr-FR" dirty="0" err="1" smtClean="0"/>
-              <a:t>&lt;g6&gt;umpsjay&lt;/g7&gt;</a:t>
-            </a:r>
-            <a:r>
-              <a:rPr lang="fr-FR" dirty="0" smtClean="0"/>
-              <a:t>&lt;g8&gt; overhay ethay &lt;/g9&gt;</a:t>
-            </a:r>
-            <a:r>
-              <a:rPr lang="fr-FR" dirty="0" err="1" smtClean="0"/>
-              <a:t>&lt;g10&gt;azylay&lt;/g11&gt;</a:t>
-            </a:r>
-            <a:r>
-              <a:rPr lang="fr-FR" dirty="0" smtClean="0"/>
-              <a:t>&lt;g12&gt; ogday. ethay uickqay &lt;/g13&gt;</a:t>
-            </a:r>
-            <a:r>
-              <a:rPr lang="fr-FR" dirty="0" err="1" smtClean="0"/>
-              <a:t>&lt;g14&gt;ownbray&lt;/g15&gt;</a:t>
-            </a:r>
-            <a:r>
-              <a:rPr lang="fr-FR" dirty="0" smtClean="0"/>
-              <a:t>&lt;g16&gt; oxfay &lt;/g17&gt;</a:t>
-            </a:r>
-            <a:r>
-              <a:rPr lang="fr-FR" dirty="0" err="1" smtClean="0"/>
-              <a:t>&lt;g18&gt;umpsjay&lt;/g19&gt;</a:t>
-            </a:r>
-            <a:r>
-              <a:rPr lang="fr-FR" dirty="0" smtClean="0"/>
-              <a:t>&lt;g20&gt; overhay ethay &lt;/g21&gt;</a:t>
-            </a:r>
-            <a:r>
-              <a:rPr lang="fr-FR" dirty="0" err="1" smtClean="0"/>
-              <a:t>&lt;g22&gt;azylay&lt;/g23&gt;</a:t>
-            </a:r>
-            <a:r>
-              <a:rPr lang="fr-FR" dirty="0" smtClean="0"/>
-              <a:t>&lt;g24&gt; ogday. ethay uickqay &lt;/g25&gt;</a:t>
-            </a:r>
-            <a:r>
-              <a:rPr lang="fr-FR" dirty="0" err="1" smtClean="0"/>
-              <a:t>&lt;g26&gt;ownbray&lt;/g27&gt;</a:t>
-            </a:r>
-            <a:r>
-              <a:rPr lang="fr-FR" dirty="0" smtClean="0"/>
-              <a:t>&lt;g28&gt; oxfay &lt;/g29&gt;</a:t>
-            </a:r>
-            <a:r>
-              <a:rPr lang="fr-FR" dirty="0" err="1" smtClean="0"/>
-              <a:t>&lt;g30&gt;umpsjay&lt;/g31&gt;</a:t>
-            </a:r>
-            <a:r>
-              <a:rPr lang="fr-FR" dirty="0" smtClean="0"/>
-              <a:t>&lt;g32&gt; overhay ethay &lt;/g33&gt;</a:t>
-            </a:r>
-            <a:r>
-              <a:rPr lang="fr-FR" dirty="0" err="1" smtClean="0"/>
-              <a:t>&lt;g34&gt;azylay&lt;/g35&gt;</a:t>
-            </a:r>
-            <a:r>
-              <a:rPr lang="fr-FR" dirty="0" smtClean="0"/>
-              <a:t>&lt;g36&gt; ogday. ethay uickqay &lt;/g37&gt;</a:t>
-            </a:r>
-            <a:r>
-              <a:rPr lang="fr-FR" dirty="0" err="1" smtClean="0"/>
-              <a:t>&lt;g38&gt;ownbray&lt;/g39&gt;</a:t>
-            </a:r>
-            <a:r>
-              <a:rPr lang="fr-FR" dirty="0" smtClean="0"/>
-              <a:t>&lt;g40&gt; oxfay &lt;/g41&gt;</a:t>
-            </a:r>
-            <a:r>
-              <a:rPr lang="fr-FR" dirty="0" err="1" smtClean="0"/>
-              <a:t>&lt;g42&gt;umpsjay&lt;/g43&gt;</a:t>
-            </a:r>
-            <a:r>
-              <a:rPr lang="fr-FR" dirty="0" smtClean="0"/>
-              <a:t>&lt;g44&gt; overhay ethay &lt;/g45&gt;</a:t>
-            </a:r>
-            <a:r>
-              <a:rPr lang="fr-FR" dirty="0" err="1" smtClean="0"/>
-              <a:t>&lt;g46&gt;azylay&lt;/g47&gt;</a:t>
-            </a:r>
-            <a:r>
-              <a:rPr lang="fr-FR" dirty="0" smtClean="0"/>
-              <a:t>&lt;g48&gt; ogday. ethay uickqay &lt;/g49&gt;</a:t>
-            </a:r>
-            <a:r>
-              <a:rPr lang="fr-FR" dirty="0" err="1" smtClean="0"/>
-              <a:t>&lt;g50&gt;ownbray&lt;/g51&gt;</a:t>
-            </a:r>
-            <a:r>
-              <a:rPr lang="fr-FR" dirty="0" smtClean="0"/>
-              <a:t>&lt;g52&gt; oxfay &lt;/g53&gt;</a:t>
-            </a:r>
-            <a:r>
-              <a:rPr lang="fr-FR" dirty="0" err="1" smtClean="0"/>
-              <a:t>&lt;g54&gt;umpsjay&lt;/g55&gt;</a:t>
-            </a:r>
-            <a:r>
-              <a:rPr lang="fr-FR" dirty="0" smtClean="0"/>
-              <a:t>&lt;g56&gt; overhay ethay &lt;/g57&gt;</a:t>
-            </a:r>
-            <a:r>
-              <a:rPr lang="fr-FR" dirty="0" err="1" smtClean="0"/>
-              <a:t>&lt;g58&gt;azylay&lt;/g59&gt;</a:t>
-            </a:r>
-            <a:r>
-              <a:rPr lang="fr-FR" dirty="0" smtClean="0"/>
-              <a:t>&lt;g60&gt; ogday. &lt;/g61&gt;</a:t>
+              <a:t>{g0}ethay uickqay {/g1}</a:t>
+            </a:r>
+            <a:r>
+              <a:rPr lang="fr-FR" dirty="0" err="1" smtClean="0"/>
+              <a:t>{g2}ownbray{/g3}</a:t>
+            </a:r>
+            <a:r>
+              <a:rPr lang="fr-FR" dirty="0" smtClean="0"/>
+              <a:t>{g4} oxfay {/g5}</a:t>
+            </a:r>
+            <a:r>
+              <a:rPr lang="fr-FR" dirty="0" err="1" smtClean="0"/>
+              <a:t>{g6}umpsjay{/g7}</a:t>
+            </a:r>
+            <a:r>
+              <a:rPr lang="fr-FR" dirty="0" smtClean="0"/>
+              <a:t>{g8} overhay ethay {/g9}</a:t>
+            </a:r>
+            <a:r>
+              <a:rPr lang="fr-FR" dirty="0" err="1" smtClean="0"/>
+              <a:t>{g10}azylay{/g11}</a:t>
+            </a:r>
+            <a:r>
+              <a:rPr lang="fr-FR" dirty="0" smtClean="0"/>
+              <a:t>{g12} ogday. ethay uickqay {/g13}</a:t>
+            </a:r>
+            <a:r>
+              <a:rPr lang="fr-FR" dirty="0" err="1" smtClean="0"/>
+              <a:t>{g14}ownbray{/g15}</a:t>
+            </a:r>
+            <a:r>
+              <a:rPr lang="fr-FR" dirty="0" smtClean="0"/>
+              <a:t>{g16} oxfay {/g17}</a:t>
+            </a:r>
+            <a:r>
+              <a:rPr lang="fr-FR" dirty="0" err="1" smtClean="0"/>
+              <a:t>{g18}umpsjay{/g19}</a:t>
+            </a:r>
+            <a:r>
+              <a:rPr lang="fr-FR" dirty="0" smtClean="0"/>
+              <a:t>{g20} overhay ethay {/g21}</a:t>
+            </a:r>
+            <a:r>
+              <a:rPr lang="fr-FR" dirty="0" err="1" smtClean="0"/>
+              <a:t>{g22}azylay{/g23}</a:t>
+            </a:r>
+            <a:r>
+              <a:rPr lang="fr-FR" dirty="0" smtClean="0"/>
+              <a:t>{g24} ogday. ethay uickqay {/g25}</a:t>
+            </a:r>
+            <a:r>
+              <a:rPr lang="fr-FR" dirty="0" err="1" smtClean="0"/>
+              <a:t>{g26}ownbray{/g27}</a:t>
+            </a:r>
+            <a:r>
+              <a:rPr lang="fr-FR" dirty="0" smtClean="0"/>
+              <a:t>{g28} oxfay {/g29}</a:t>
+            </a:r>
+            <a:r>
+              <a:rPr lang="fr-FR" dirty="0" err="1" smtClean="0"/>
+              <a:t>{g30}umpsjay{/g31}</a:t>
+            </a:r>
+            <a:r>
+              <a:rPr lang="fr-FR" dirty="0" smtClean="0"/>
+              <a:t>{g32} overhay ethay {/g33}</a:t>
+            </a:r>
+            <a:r>
+              <a:rPr lang="fr-FR" dirty="0" err="1" smtClean="0"/>
+              <a:t>{g34}azylay{/g35}</a:t>
+            </a:r>
+            <a:r>
+              <a:rPr lang="fr-FR" dirty="0" smtClean="0"/>
+              <a:t>{g36} ogday. ethay uickqay {/g37}</a:t>
+            </a:r>
+            <a:r>
+              <a:rPr lang="fr-FR" dirty="0" err="1" smtClean="0"/>
+              <a:t>{g38}ownbray{/g39}</a:t>
+            </a:r>
+            <a:r>
+              <a:rPr lang="fr-FR" dirty="0" smtClean="0"/>
+              <a:t>{g40} oxfay {/g41}</a:t>
+            </a:r>
+            <a:r>
+              <a:rPr lang="fr-FR" dirty="0" err="1" smtClean="0"/>
+              <a:t>{g42}umpsjay{/g43}</a:t>
+            </a:r>
+            <a:r>
+              <a:rPr lang="fr-FR" dirty="0" smtClean="0"/>
+              <a:t>{g44} overhay ethay {/g45}</a:t>
+            </a:r>
+            <a:r>
+              <a:rPr lang="fr-FR" dirty="0" err="1" smtClean="0"/>
+              <a:t>{g46}azylay{/g47}</a:t>
+            </a:r>
+            <a:r>
+              <a:rPr lang="fr-FR" dirty="0" smtClean="0"/>
+              <a:t>{g48} ogday. ethay uickqay {/g49}</a:t>
+            </a:r>
+            <a:r>
+              <a:rPr lang="fr-FR" dirty="0" err="1" smtClean="0"/>
+              <a:t>{g50}ownbray{/g51}</a:t>
+            </a:r>
+            <a:r>
+              <a:rPr lang="fr-FR" dirty="0" smtClean="0"/>
+              <a:t>{g52} oxfay {/g53}</a:t>
+            </a:r>
+            <a:r>
+              <a:rPr lang="fr-FR" dirty="0" err="1" smtClean="0"/>
+              <a:t>{g54}umpsjay{/g55}</a:t>
+            </a:r>
+            <a:r>
+              <a:rPr lang="fr-FR" dirty="0" smtClean="0"/>
+              <a:t>{g56} overhay ethay {/g57}</a:t>
+            </a:r>
+            <a:r>
+              <a:rPr lang="fr-FR" dirty="0" err="1" smtClean="0"/>
+              <a:t>{g58}azylay{/g59}</a:t>
+            </a:r>
+            <a:r>
+              <a:rPr lang="fr-FR" dirty="0" smtClean="0"/>
+              <a:t>{g60} ogday. {/g61}</a:t>
             </a:r>
             <a:br>
               <a:rPr lang="fr-FR" dirty="0" smtClean="0"/>
@@ -3238,127 +3238,127 @@
             </a:br>
             <a:r>
               <a:rPr lang="fr-FR" dirty="0" smtClean="0"/>
-              <a:t>&lt;g65&gt;ethay uickqay &lt;/g66&gt;</a:t>
-            </a:r>
-            <a:r>
-              <a:rPr lang="fr-FR" dirty="0" err="1" smtClean="0"/>
-              <a:t>&lt;g67&gt;ownbray&lt;/g68&gt;</a:t>
-            </a:r>
-            <a:r>
-              <a:rPr lang="fr-FR" dirty="0" smtClean="0"/>
-              <a:t>&lt;g69&gt; oxfay &lt;/g70&gt;</a:t>
-            </a:r>
-            <a:r>
-              <a:rPr lang="fr-FR" dirty="0" err="1" smtClean="0"/>
-              <a:t>&lt;g71&gt;umpsjay&lt;/g72&gt;</a:t>
-            </a:r>
-            <a:r>
-              <a:rPr lang="fr-FR" dirty="0" smtClean="0"/>
-              <a:t>&lt;g73&gt; overhay ethay &lt;/g74&gt;</a:t>
-            </a:r>
-            <a:r>
-              <a:rPr lang="fr-FR" dirty="0" err="1" smtClean="0"/>
-              <a:t>&lt;g75&gt;azylay&lt;/g76&gt;</a:t>
-            </a:r>
-            <a:r>
-              <a:rPr lang="fr-FR" dirty="0" smtClean="0"/>
-              <a:t>&lt;g77&gt; ogday. ethay uickqay &lt;/g78&gt;</a:t>
-            </a:r>
-            <a:r>
-              <a:rPr lang="fr-FR" dirty="0" err="1" smtClean="0"/>
-              <a:t>&lt;g79&gt;ownbray&lt;/g80&gt;</a:t>
-            </a:r>
-            <a:r>
-              <a:rPr lang="fr-FR" dirty="0" smtClean="0"/>
-              <a:t>&lt;g81&gt; oxfay &lt;/g82&gt;</a:t>
-            </a:r>
-            <a:r>
-              <a:rPr lang="fr-FR" dirty="0" err="1" smtClean="0"/>
-              <a:t>&lt;g83&gt;umpsjay&lt;/g84&gt;</a:t>
-            </a:r>
-            <a:r>
-              <a:rPr lang="fr-FR" dirty="0" smtClean="0"/>
-              <a:t>&lt;g85&gt; overhay ethay &lt;/g86&gt;</a:t>
-            </a:r>
-            <a:r>
-              <a:rPr lang="fr-FR" dirty="0" err="1" smtClean="0"/>
-              <a:t>&lt;g87&gt;azylay&lt;/g88&gt;</a:t>
-            </a:r>
-            <a:r>
-              <a:rPr lang="fr-FR" dirty="0" smtClean="0"/>
-              <a:t>&lt;g89&gt; ogday. ethay uickqay &lt;/g90&gt;</a:t>
-            </a:r>
-            <a:r>
-              <a:rPr lang="fr-FR" dirty="0" err="1" smtClean="0"/>
-              <a:t>&lt;g91&gt;ownbray&lt;/g92&gt;</a:t>
-            </a:r>
-            <a:r>
-              <a:rPr lang="fr-FR" dirty="0" smtClean="0"/>
-              <a:t>&lt;g93&gt; oxfay &lt;/g94&gt;</a:t>
-            </a:r>
-            <a:r>
-              <a:rPr lang="fr-FR" dirty="0" err="1" smtClean="0"/>
-              <a:t>&lt;g95&gt;umpsjay&lt;/g96&gt;</a:t>
-            </a:r>
-            <a:r>
-              <a:rPr lang="fr-FR" dirty="0" smtClean="0"/>
-              <a:t>&lt;g97&gt; overhay ethay &lt;/g98&gt;</a:t>
-            </a:r>
-            <a:r>
-              <a:rPr lang="fr-FR" dirty="0" err="1" smtClean="0"/>
-              <a:t>&lt;g99&gt;azylay&lt;/g100&gt;</a:t>
-            </a:r>
-            <a:r>
-              <a:rPr lang="fr-FR" dirty="0" smtClean="0"/>
-              <a:t>&lt;g101&gt; ogday. ethay uickqay &lt;/g102&gt;</a:t>
-            </a:r>
-            <a:r>
-              <a:rPr lang="fr-FR" dirty="0" err="1" smtClean="0"/>
-              <a:t>&lt;g103&gt;ownbray&lt;/g104&gt;</a:t>
-            </a:r>
-            <a:r>
-              <a:rPr lang="fr-FR" dirty="0" smtClean="0"/>
-              <a:t>&lt;g105&gt; oxfay &lt;/g106&gt;</a:t>
-            </a:r>
-            <a:r>
-              <a:rPr lang="fr-FR" dirty="0" err="1" smtClean="0"/>
-              <a:t>&lt;g107&gt;umpsjay&lt;/g108&gt;</a:t>
-            </a:r>
-            <a:r>
-              <a:rPr lang="fr-FR" dirty="0" smtClean="0"/>
-              <a:t>&lt;g109&gt; overhay ethay &lt;/g110&gt;</a:t>
-            </a:r>
-            <a:r>
-              <a:rPr lang="fr-FR" dirty="0" err="1" smtClean="0"/>
-              <a:t>&lt;g111&gt;azylay&lt;/g112&gt;</a:t>
-            </a:r>
-            <a:r>
-              <a:rPr lang="fr-FR" dirty="0" smtClean="0"/>
-              <a:t>&lt;g113&gt; ogday. ethay uickqay &lt;/g114&gt;</a:t>
-            </a:r>
-            <a:r>
-              <a:rPr lang="fr-FR" dirty="0" err="1" smtClean="0"/>
-              <a:t>&lt;g115&gt;ownbray&lt;/g116&gt;</a:t>
-            </a:r>
-            <a:r>
-              <a:rPr lang="fr-FR" dirty="0" smtClean="0"/>
-              <a:t>&lt;g117&gt; oxfay &lt;/g118&gt;</a:t>
-            </a:r>
-            <a:r>
-              <a:rPr lang="fr-FR" dirty="0" err="1" smtClean="0"/>
-              <a:t>&lt;g119&gt;umpsjay&lt;/g120&gt;</a:t>
-            </a:r>
-            <a:r>
-              <a:rPr lang="fr-FR" dirty="0" smtClean="0"/>
-              <a:t>&lt;g121&gt; overhay ethay &lt;/g122&gt;</a:t>
-            </a:r>
-            <a:r>
-              <a:rPr lang="fr-FR" dirty="0" err="1" smtClean="0"/>
-              <a:t>&lt;g123&gt;azylay&lt;/g124&gt;</a:t>
-            </a:r>
-            <a:r>
-              <a:rPr lang="fr-FR" dirty="0" smtClean="0"/>
-              <a:t>&lt;g125&gt; ogday. &lt;/g126&gt;</a:t>
+              <a:t>{g65}ethay uickqay {/g66}</a:t>
+            </a:r>
+            <a:r>
+              <a:rPr lang="fr-FR" dirty="0" err="1" smtClean="0"/>
+              <a:t>{g67}ownbray{/g68}</a:t>
+            </a:r>
+            <a:r>
+              <a:rPr lang="fr-FR" dirty="0" smtClean="0"/>
+              <a:t>{g69} oxfay {/g70}</a:t>
+            </a:r>
+            <a:r>
+              <a:rPr lang="fr-FR" dirty="0" err="1" smtClean="0"/>
+              <a:t>{g71}umpsjay{/g72}</a:t>
+            </a:r>
+            <a:r>
+              <a:rPr lang="fr-FR" dirty="0" smtClean="0"/>
+              <a:t>{g73} overhay ethay {/g74}</a:t>
+            </a:r>
+            <a:r>
+              <a:rPr lang="fr-FR" dirty="0" err="1" smtClean="0"/>
+              <a:t>{g75}azylay{/g76}</a:t>
+            </a:r>
+            <a:r>
+              <a:rPr lang="fr-FR" dirty="0" smtClean="0"/>
+              <a:t>{g77} ogday. ethay uickqay {/g78}</a:t>
+            </a:r>
+            <a:r>
+              <a:rPr lang="fr-FR" dirty="0" err="1" smtClean="0"/>
+              <a:t>{g79}ownbray{/g80}</a:t>
+            </a:r>
+            <a:r>
+              <a:rPr lang="fr-FR" dirty="0" smtClean="0"/>
+              <a:t>{g81} oxfay {/g82}</a:t>
+            </a:r>
+            <a:r>
+              <a:rPr lang="fr-FR" dirty="0" err="1" smtClean="0"/>
+              <a:t>{g83}umpsjay{/g84}</a:t>
+            </a:r>
+            <a:r>
+              <a:rPr lang="fr-FR" dirty="0" smtClean="0"/>
+              <a:t>{g85} overhay ethay {/g86}</a:t>
+            </a:r>
+            <a:r>
+              <a:rPr lang="fr-FR" dirty="0" err="1" smtClean="0"/>
+              <a:t>{g87}azylay{/g88}</a:t>
+            </a:r>
+            <a:r>
+              <a:rPr lang="fr-FR" dirty="0" smtClean="0"/>
+              <a:t>{g89} ogday. ethay uickqay {/g90}</a:t>
+            </a:r>
+            <a:r>
+              <a:rPr lang="fr-FR" dirty="0" err="1" smtClean="0"/>
+              <a:t>{g91}ownbray{/g92}</a:t>
+            </a:r>
+            <a:r>
+              <a:rPr lang="fr-FR" dirty="0" smtClean="0"/>
+              <a:t>{g93} oxfay {/g94}</a:t>
+            </a:r>
+            <a:r>
+              <a:rPr lang="fr-FR" dirty="0" err="1" smtClean="0"/>
+              <a:t>{g95}umpsjay{/g96}</a:t>
+            </a:r>
+            <a:r>
+              <a:rPr lang="fr-FR" dirty="0" smtClean="0"/>
+              <a:t>{g97} overhay ethay {/g98}</a:t>
+            </a:r>
+            <a:r>
+              <a:rPr lang="fr-FR" dirty="0" err="1" smtClean="0"/>
+              <a:t>{g99}azylay{/g100}</a:t>
+            </a:r>
+            <a:r>
+              <a:rPr lang="fr-FR" dirty="0" smtClean="0"/>
+              <a:t>{g101} ogday. ethay uickqay {/g102}</a:t>
+            </a:r>
+            <a:r>
+              <a:rPr lang="fr-FR" dirty="0" err="1" smtClean="0"/>
+              <a:t>{g103}ownbray{/g104}</a:t>
+            </a:r>
+            <a:r>
+              <a:rPr lang="fr-FR" dirty="0" smtClean="0"/>
+              <a:t>{g105} oxfay {/g106}</a:t>
+            </a:r>
+            <a:r>
+              <a:rPr lang="fr-FR" dirty="0" err="1" smtClean="0"/>
+              <a:t>{g107}umpsjay{/g108}</a:t>
+            </a:r>
+            <a:r>
+              <a:rPr lang="fr-FR" dirty="0" smtClean="0"/>
+              <a:t>{g109} overhay ethay {/g110}</a:t>
+            </a:r>
+            <a:r>
+              <a:rPr lang="fr-FR" dirty="0" err="1" smtClean="0"/>
+              <a:t>{g111}azylay{/g112}</a:t>
+            </a:r>
+            <a:r>
+              <a:rPr lang="fr-FR" dirty="0" smtClean="0"/>
+              <a:t>{g113} ogday. ethay uickqay {/g114}</a:t>
+            </a:r>
+            <a:r>
+              <a:rPr lang="fr-FR" dirty="0" err="1" smtClean="0"/>
+              <a:t>{g115}ownbray{/g116}</a:t>
+            </a:r>
+            <a:r>
+              <a:rPr lang="fr-FR" dirty="0" smtClean="0"/>
+              <a:t>{g117} oxfay {/g118}</a:t>
+            </a:r>
+            <a:r>
+              <a:rPr lang="fr-FR" dirty="0" err="1" smtClean="0"/>
+              <a:t>{g119}umpsjay{/g120}</a:t>
+            </a:r>
+            <a:r>
+              <a:rPr lang="fr-FR" dirty="0" smtClean="0"/>
+              <a:t>{g121} overhay ethay {/g122}</a:t>
+            </a:r>
+            <a:r>
+              <a:rPr lang="fr-FR" dirty="0" err="1" smtClean="0"/>
+              <a:t>{g123}azylay{/g124}</a:t>
+            </a:r>
+            <a:r>
+              <a:rPr lang="fr-FR" dirty="0" smtClean="0"/>
+              <a:t>{g125} ogday. {/g126}</a:t>
             </a:r>
             <a:br>
               <a:rPr lang="fr-FR" dirty="0" smtClean="0"/>
@@ -3372,127 +3372,127 @@
             </a:br>
             <a:r>
               <a:rPr lang="fr-FR" dirty="0" smtClean="0"/>
-              <a:t>&lt;g130&gt;ethay uickqay &lt;/g131&gt;</a:t>
-            </a:r>
-            <a:r>
-              <a:rPr lang="fr-FR" dirty="0" err="1" smtClean="0"/>
-              <a:t>&lt;g132&gt;ownbray&lt;/g133&gt;</a:t>
-            </a:r>
-            <a:r>
-              <a:rPr lang="fr-FR" dirty="0" smtClean="0"/>
-              <a:t>&lt;g134&gt; oxfay &lt;/g135&gt;</a:t>
-            </a:r>
-            <a:r>
-              <a:rPr lang="fr-FR" dirty="0" err="1" smtClean="0"/>
-              <a:t>&lt;g136&gt;umpsjay&lt;/g137&gt;</a:t>
-            </a:r>
-            <a:r>
-              <a:rPr lang="fr-FR" dirty="0" smtClean="0"/>
-              <a:t>&lt;g138&gt; overhay ethay &lt;/g139&gt;</a:t>
-            </a:r>
-            <a:r>
-              <a:rPr lang="fr-FR" dirty="0" err="1" smtClean="0"/>
-              <a:t>&lt;g140&gt;azylay&lt;/g141&gt;</a:t>
-            </a:r>
-            <a:r>
-              <a:rPr lang="fr-FR" dirty="0" smtClean="0"/>
-              <a:t>&lt;g142&gt; ogday. ethay uickqay &lt;/g143&gt;</a:t>
-            </a:r>
-            <a:r>
-              <a:rPr lang="fr-FR" dirty="0" err="1" smtClean="0"/>
-              <a:t>&lt;g144&gt;ownbray&lt;/g145&gt;</a:t>
-            </a:r>
-            <a:r>
-              <a:rPr lang="fr-FR" dirty="0" smtClean="0"/>
-              <a:t>&lt;g146&gt; oxfay &lt;/g147&gt;</a:t>
-            </a:r>
-            <a:r>
-              <a:rPr lang="fr-FR" dirty="0" err="1" smtClean="0"/>
-              <a:t>&lt;g148&gt;umpsjay&lt;/g149&gt;</a:t>
-            </a:r>
-            <a:r>
-              <a:rPr lang="fr-FR" dirty="0" smtClean="0"/>
-              <a:t>&lt;g150&gt; overhay ethay &lt;/g151&gt;</a:t>
-            </a:r>
-            <a:r>
-              <a:rPr lang="fr-FR" dirty="0" err="1" smtClean="0"/>
-              <a:t>&lt;g152&gt;azylay&lt;/g153&gt;</a:t>
-            </a:r>
-            <a:r>
-              <a:rPr lang="fr-FR" dirty="0" smtClean="0"/>
-              <a:t>&lt;g154&gt; ogday. ethay uickqay &lt;/g155&gt;</a:t>
-            </a:r>
-            <a:r>
-              <a:rPr lang="fr-FR" dirty="0" err="1" smtClean="0"/>
-              <a:t>&lt;g156&gt;ownbray&lt;/g157&gt;</a:t>
-            </a:r>
-            <a:r>
-              <a:rPr lang="fr-FR" dirty="0" smtClean="0"/>
-              <a:t>&lt;g158&gt; oxfay &lt;/g159&gt;</a:t>
-            </a:r>
-            <a:r>
-              <a:rPr lang="fr-FR" dirty="0" err="1" smtClean="0"/>
-              <a:t>&lt;g160&gt;umpsjay&lt;/g161&gt;</a:t>
-            </a:r>
-            <a:r>
-              <a:rPr lang="fr-FR" dirty="0" smtClean="0"/>
-              <a:t>&lt;g162&gt; overhay ethay &lt;/g163&gt;</a:t>
-            </a:r>
-            <a:r>
-              <a:rPr lang="fr-FR" dirty="0" err="1" smtClean="0"/>
-              <a:t>&lt;g164&gt;azylay&lt;/g165&gt;</a:t>
-            </a:r>
-            <a:r>
-              <a:rPr lang="fr-FR" dirty="0" smtClean="0"/>
-              <a:t>&lt;g166&gt; ogday. ethay uickqay &lt;/g167&gt;</a:t>
-            </a:r>
-            <a:r>
-              <a:rPr lang="fr-FR" dirty="0" err="1" smtClean="0"/>
-              <a:t>&lt;g168&gt;ownbray&lt;/g169&gt;</a:t>
-            </a:r>
-            <a:r>
-              <a:rPr lang="fr-FR" dirty="0" smtClean="0"/>
-              <a:t>&lt;g170&gt; oxfay &lt;/g171&gt;</a:t>
-            </a:r>
-            <a:r>
-              <a:rPr lang="fr-FR" dirty="0" err="1" smtClean="0"/>
-              <a:t>&lt;g172&gt;umpsjay&lt;/g173&gt;</a:t>
-            </a:r>
-            <a:r>
-              <a:rPr lang="fr-FR" dirty="0" smtClean="0"/>
-              <a:t>&lt;g174&gt; overhay ethay &lt;/g175&gt;</a:t>
-            </a:r>
-            <a:r>
-              <a:rPr lang="fr-FR" dirty="0" err="1" smtClean="0"/>
-              <a:t>&lt;g176&gt;azylay&lt;/g177&gt;</a:t>
-            </a:r>
-            <a:r>
-              <a:rPr lang="fr-FR" dirty="0" smtClean="0"/>
-              <a:t>&lt;g178&gt; ogday. ethay uickqay &lt;/g179&gt;</a:t>
-            </a:r>
-            <a:r>
-              <a:rPr lang="fr-FR" dirty="0" err="1" smtClean="0"/>
-              <a:t>&lt;g180&gt;ownbray&lt;/g181&gt;</a:t>
-            </a:r>
-            <a:r>
-              <a:rPr lang="fr-FR" dirty="0" smtClean="0"/>
-              <a:t>&lt;g182&gt; oxfay &lt;/g183&gt;</a:t>
-            </a:r>
-            <a:r>
-              <a:rPr lang="fr-FR" dirty="0" err="1" smtClean="0"/>
-              <a:t>&lt;g184&gt;umpsjay&lt;/g185&gt;</a:t>
-            </a:r>
-            <a:r>
-              <a:rPr lang="fr-FR" dirty="0" smtClean="0"/>
-              <a:t>&lt;g186&gt; overhay ethay &lt;/g187&gt;</a:t>
-            </a:r>
-            <a:r>
-              <a:rPr lang="fr-FR" dirty="0" err="1" smtClean="0"/>
-              <a:t>&lt;g188&gt;azylay&lt;/g189&gt;</a:t>
-            </a:r>
-            <a:r>
-              <a:rPr lang="fr-FR" dirty="0" smtClean="0"/>
-              <a:t>&lt;g190&gt; ogday. &lt;/g191&gt;</a:t>
+              <a:t>{g130}ethay uickqay {/g131}</a:t>
+            </a:r>
+            <a:r>
+              <a:rPr lang="fr-FR" dirty="0" err="1" smtClean="0"/>
+              <a:t>{g132}ownbray{/g133}</a:t>
+            </a:r>
+            <a:r>
+              <a:rPr lang="fr-FR" dirty="0" smtClean="0"/>
+              <a:t>{g134} oxfay {/g135}</a:t>
+            </a:r>
+            <a:r>
+              <a:rPr lang="fr-FR" dirty="0" err="1" smtClean="0"/>
+              <a:t>{g136}umpsjay{/g137}</a:t>
+            </a:r>
+            <a:r>
+              <a:rPr lang="fr-FR" dirty="0" smtClean="0"/>
+              <a:t>{g138} overhay ethay {/g139}</a:t>
+            </a:r>
+            <a:r>
+              <a:rPr lang="fr-FR" dirty="0" err="1" smtClean="0"/>
+              <a:t>{g140}azylay{/g141}</a:t>
+            </a:r>
+            <a:r>
+              <a:rPr lang="fr-FR" dirty="0" smtClean="0"/>
+              <a:t>{g142} ogday. ethay uickqay {/g143}</a:t>
+            </a:r>
+            <a:r>
+              <a:rPr lang="fr-FR" dirty="0" err="1" smtClean="0"/>
+              <a:t>{g144}ownbray{/g145}</a:t>
+            </a:r>
+            <a:r>
+              <a:rPr lang="fr-FR" dirty="0" smtClean="0"/>
+              <a:t>{g146} oxfay {/g147}</a:t>
+            </a:r>
+            <a:r>
+              <a:rPr lang="fr-FR" dirty="0" err="1" smtClean="0"/>
+              <a:t>{g148}umpsjay{/g149}</a:t>
+            </a:r>
+            <a:r>
+              <a:rPr lang="fr-FR" dirty="0" smtClean="0"/>
+              <a:t>{g150} overhay ethay {/g151}</a:t>
+            </a:r>
+            <a:r>
+              <a:rPr lang="fr-FR" dirty="0" err="1" smtClean="0"/>
+              <a:t>{g152}azylay{/g153}</a:t>
+            </a:r>
+            <a:r>
+              <a:rPr lang="fr-FR" dirty="0" smtClean="0"/>
+              <a:t>{g154} ogday. ethay uickqay {/g155}</a:t>
+            </a:r>
+            <a:r>
+              <a:rPr lang="fr-FR" dirty="0" err="1" smtClean="0"/>
+              <a:t>{g156}ownbray{/g157}</a:t>
+            </a:r>
+            <a:r>
+              <a:rPr lang="fr-FR" dirty="0" smtClean="0"/>
+              <a:t>{g158} oxfay {/g159}</a:t>
+            </a:r>
+            <a:r>
+              <a:rPr lang="fr-FR" dirty="0" err="1" smtClean="0"/>
+              <a:t>{g160}umpsjay{/g161}</a:t>
+            </a:r>
+            <a:r>
+              <a:rPr lang="fr-FR" dirty="0" smtClean="0"/>
+              <a:t>{g162} overhay ethay {/g163}</a:t>
+            </a:r>
+            <a:r>
+              <a:rPr lang="fr-FR" dirty="0" err="1" smtClean="0"/>
+              <a:t>{g164}azylay{/g165}</a:t>
+            </a:r>
+            <a:r>
+              <a:rPr lang="fr-FR" dirty="0" smtClean="0"/>
+              <a:t>{g166} ogday. ethay uickqay {/g167}</a:t>
+            </a:r>
+            <a:r>
+              <a:rPr lang="fr-FR" dirty="0" err="1" smtClean="0"/>
+              <a:t>{g168}ownbray{/g169}</a:t>
+            </a:r>
+            <a:r>
+              <a:rPr lang="fr-FR" dirty="0" smtClean="0"/>
+              <a:t>{g170} oxfay {/g171}</a:t>
+            </a:r>
+            <a:r>
+              <a:rPr lang="fr-FR" dirty="0" err="1" smtClean="0"/>
+              <a:t>{g172}umpsjay{/g173}</a:t>
+            </a:r>
+            <a:r>
+              <a:rPr lang="fr-FR" dirty="0" smtClean="0"/>
+              <a:t>{g174} overhay ethay {/g175}</a:t>
+            </a:r>
+            <a:r>
+              <a:rPr lang="fr-FR" dirty="0" err="1" smtClean="0"/>
+              <a:t>{g176}azylay{/g177}</a:t>
+            </a:r>
+            <a:r>
+              <a:rPr lang="fr-FR" dirty="0" smtClean="0"/>
+              <a:t>{g178} ogday. ethay uickqay {/g179}</a:t>
+            </a:r>
+            <a:r>
+              <a:rPr lang="fr-FR" dirty="0" err="1" smtClean="0"/>
+              <a:t>{g180}ownbray{/g181}</a:t>
+            </a:r>
+            <a:r>
+              <a:rPr lang="fr-FR" dirty="0" smtClean="0"/>
+              <a:t>{g182} oxfay {/g183}</a:t>
+            </a:r>
+            <a:r>
+              <a:rPr lang="fr-FR" dirty="0" err="1" smtClean="0"/>
+              <a:t>{g184}umpsjay{/g185}</a:t>
+            </a:r>
+            <a:r>
+              <a:rPr lang="fr-FR" dirty="0" smtClean="0"/>
+              <a:t>{g186} overhay ethay {/g187}</a:t>
+            </a:r>
+            <a:r>
+              <a:rPr lang="fr-FR" dirty="0" err="1" smtClean="0"/>
+              <a:t>{g188}azylay{/g189}</a:t>
+            </a:r>
+            <a:r>
+              <a:rPr lang="fr-FR" dirty="0" smtClean="0"/>
+              <a:t>{g190} ogday. {/g191}</a:t>
             </a:r>
             <a:br>
               <a:rPr lang="fr-FR" dirty="0" smtClean="0"/>

--- a/filters/net.sf.okapi.filters.openxml.tests/gold/Tagsample.pptx
+++ b/filters/net.sf.okapi.filters.openxml.tests/gold/Tagsample.pptx
@@ -2584,7 +2584,7 @@
           <a:p>
             <a:r>
               <a:rPr lang="en-US" smtClean="0"/>
-              <a:t>Click to edit Master title style</a:t>
+              <a:t>{g0}ickclay otay edithay astermay itletay estylay{/g1}</a:t>
             </a:r>
             <a:endParaRPr lang="en-US"/>
           </a:p>
@@ -2618,35 +2618,35 @@
             <a:pPr lvl="0"/>
             <a:r>
               <a:rPr lang="en-US" smtClean="0"/>
-              <a:t>Click to edit Master text styles</a:t>
+              <a:t>{g0}ickclay otay edithay astermay exttay esstylay{/g1}</a:t>
             </a:r>
           </a:p>
           <a:p>
             <a:pPr lvl="1"/>
             <a:r>
               <a:rPr lang="en-US" smtClean="0"/>
-              <a:t>Second level</a:t>
+              <a:t>{g0}econdsay evellay{/g1}</a:t>
             </a:r>
           </a:p>
           <a:p>
             <a:pPr lvl="2"/>
             <a:r>
               <a:rPr lang="en-US" smtClean="0"/>
-              <a:t>Third level</a:t>
+              <a:t>{g0}irdthay evellay{/g1}</a:t>
             </a:r>
           </a:p>
           <a:p>
             <a:pPr lvl="3"/>
             <a:r>
               <a:rPr lang="en-US" smtClean="0"/>
-              <a:t>Fourth level</a:t>
+              <a:t>{g0}ourthfay evellay{/g1}</a:t>
             </a:r>
           </a:p>
           <a:p>
             <a:pPr lvl="4"/>
             <a:r>
               <a:rPr lang="en-US" smtClean="0"/>
-              <a:t>Fifth level</a:t>
+              <a:t>{g0}ifthfay evellay{/g1}</a:t>
             </a:r>
             <a:endParaRPr lang="en-US"/>
           </a:p>
@@ -2688,7 +2688,7 @@
             <a:fld id="{1D8BD707-D9CF-40AE-B4C6-C98DA3205C09}" type="datetimeFigureOut">
               <a:rPr lang="en-US" smtClean="0"/>
               <a:pPr/>
-              <a:t>3/1/2007</a:t>
+              <a:t>{g0}3/1/2007{/g1}</a:t>
             </a:fld>
             <a:endParaRPr lang="en-US"/>
           </a:p>
@@ -2767,7 +2767,7 @@
             <a:fld id="{B6F15528-21DE-4FAA-801E-634DDDAF4B2B}" type="slidenum">
               <a:rPr lang="en-US" smtClean="0"/>
               <a:pPr/>
-              <a:t>‹#›</a:t>
+              <a:t>{g0}‹#›{/g1}</a:t>
             </a:fld>
             <a:endParaRPr lang="en-US"/>
           </a:p>
